--- a/Cours/Design Patterns en C (1).pptx
+++ b/Cours/Design Patterns en C (1).pptx
@@ -20026,7 +20026,7 @@
           <a:p>
             <a:fld id="{1DD86FC9-22D8-2845-A332-3D6011EB0F07}" type="slidenum">
               <a:rPr lang="en-FR" smtClean="0"/>
-              <a:t>‹#›</a:t>
+              <a:t>‹N°›</a:t>
             </a:fld>
             <a:endParaRPr lang="en-FR"/>
           </a:p>
@@ -20401,7 +20401,7 @@
             <a:fld id="{5FA5698A-119C-4A07-8C89-A8F5CF82F37A}" type="slidenum">
               <a:rPr lang="fr-FR" smtClean="0"/>
               <a:pPr/>
-              <a:t>‹#›</a:t>
+              <a:t>‹N°›</a:t>
             </a:fld>
             <a:endParaRPr lang="fr-FR"/>
           </a:p>
@@ -21068,7 +21068,7 @@
                   <a:spcPts val="600"/>
                 </a:spcAft>
               </a:pPr>
-              <a:t>‹#›</a:t>
+              <a:t>‹N°›</a:t>
             </a:fld>
             <a:endParaRPr lang="fr-FR"/>
           </a:p>
@@ -21407,7 +21407,7 @@
           <a:p>
             <a:fld id="{5FA5698A-119C-4A07-8C89-A8F5CF82F37A}" type="slidenum">
               <a:rPr lang="fr-FR" smtClean="0"/>
-              <a:t>‹#›</a:t>
+              <a:t>‹N°›</a:t>
             </a:fld>
             <a:endParaRPr lang="fr-FR"/>
           </a:p>
@@ -21793,7 +21793,7 @@
                   <a:spcPts val="600"/>
                 </a:spcAft>
               </a:pPr>
-              <a:t>‹#›</a:t>
+              <a:t>‹N°›</a:t>
             </a:fld>
             <a:endParaRPr lang="fr-FR">
               <a:solidFill>
@@ -43052,18 +43052,18 @@
           <a:lstStyle/>
           <a:p>
             <a:r>
-              <a:rPr lang="en-US" err="1"/>
+              <a:rPr lang="en-US" dirty="0" err="1"/>
               <a:t>Chapitre</a:t>
             </a:r>
             <a:r>
-              <a:rPr lang="en-US"/>
+              <a:rPr lang="en-US" dirty="0"/>
               <a:t> 6</a:t>
             </a:r>
             <a:br>
-              <a:rPr lang="en-US"/>
+              <a:rPr lang="en-US" dirty="0"/>
             </a:br>
             <a:r>
-              <a:rPr lang="en-US"/>
+              <a:rPr lang="en-US" dirty="0"/>
               <a:t>Le pattern Factory Method</a:t>
             </a:r>
           </a:p>
@@ -46040,7 +46040,16 @@
           <a:bodyPr/>
           <a:lstStyle/>
           <a:p>
-            <a:endParaRPr lang="fr-FR"/>
+            <a:r>
+              <a:rPr lang="fr-FR" dirty="0"/>
+              <a:t>Le pattern Singleton permet d’assurer qu’une classe ne possède qu’une seule instance au cours de l’exécution du programme</a:t>
+            </a:r>
+          </a:p>
+          <a:p>
+            <a:r>
+              <a:rPr lang="fr-FR" dirty="0"/>
+              <a:t>Une méthode de classe unique qui retourne cette instance</a:t>
+            </a:r>
           </a:p>
         </p:txBody>
       </p:sp>
@@ -57688,17 +57697,6 @@
 </file>
 
 <file path=customXml/item1.xml><?xml version="1.0" encoding="utf-8"?>
-<p:properties xmlns:p="http://schemas.microsoft.com/office/2006/metadata/properties" xmlns:xsi="http://www.w3.org/2001/XMLSchema-instance" xmlns:pc="http://schemas.microsoft.com/office/infopath/2007/PartnerControls">
-  <documentManagement>
-    <TaxCatchAll xmlns="acb9c5b8-3c7c-4189-9f57-c6855d0a4947" xsi:nil="true"/>
-    <lcf76f155ced4ddcb4097134ff3c332f xmlns="63a52c89-347b-49ef-abcd-1581abc07810">
-      <Terms xmlns="http://schemas.microsoft.com/office/infopath/2007/PartnerControls"/>
-    </lcf76f155ced4ddcb4097134ff3c332f>
-  </documentManagement>
-</p:properties>
-</file>
-
-<file path=customXml/item2.xml><?xml version="1.0" encoding="utf-8"?>
 <?mso-contentType ?>
 <FormTemplates xmlns="http://schemas.microsoft.com/sharepoint/v3/contenttype/forms">
   <Display>DocumentLibraryForm</Display>
@@ -57707,7 +57705,7 @@
 </FormTemplates>
 </file>
 
-<file path=customXml/item3.xml><?xml version="1.0" encoding="utf-8"?>
+<file path=customXml/item2.xml><?xml version="1.0" encoding="utf-8"?>
 <ct:contentTypeSchema xmlns:ct="http://schemas.microsoft.com/office/2006/metadata/contentType" xmlns:ma="http://schemas.microsoft.com/office/2006/metadata/properties/metaAttributes" ct:_="" ma:_="" ma:contentTypeName="Document" ma:contentTypeID="0x01010036DEE29EAD311A42AE8DBE1C2B92CD04" ma:contentTypeVersion="11" ma:contentTypeDescription="Crée un document." ma:contentTypeScope="" ma:versionID="c5bfd14867d16b566ddd3b4afdce1790">
   <xsd:schema xmlns:xsd="http://www.w3.org/2001/XMLSchema" xmlns:xs="http://www.w3.org/2001/XMLSchema" xmlns:p="http://schemas.microsoft.com/office/2006/metadata/properties" xmlns:ns2="63a52c89-347b-49ef-abcd-1581abc07810" xmlns:ns3="acb9c5b8-3c7c-4189-9f57-c6855d0a4947" targetNamespace="http://schemas.microsoft.com/office/2006/metadata/properties" ma:root="true" ma:fieldsID="04a8f9267670d8ba8493024c57f5bf8f" ns2:_="" ns3:_="">
     <xsd:import namespace="63a52c89-347b-49ef-abcd-1581abc07810"/>
@@ -57902,25 +57900,18 @@
 </ct:contentTypeSchema>
 </file>
 
-<file path=customXml/itemProps1.xml><?xml version="1.0" encoding="utf-8"?>
-<ds:datastoreItem xmlns:ds="http://schemas.openxmlformats.org/officeDocument/2006/customXml" ds:itemID="{B02D9207-75B4-4FAC-A48D-3D9278E8E9CB}">
-  <ds:schemaRefs>
-    <ds:schemaRef ds:uri="288afd39-9301-47a6-8729-307a4250536c"/>
-    <ds:schemaRef ds:uri="63a52c89-347b-49ef-abcd-1581abc07810"/>
-    <ds:schemaRef ds:uri="acb9c5b8-3c7c-4189-9f57-c6855d0a4947"/>
-    <ds:schemaRef ds:uri="http://purl.org/dc/dcmitype/"/>
-    <ds:schemaRef ds:uri="http://purl.org/dc/elements/1.1/"/>
-    <ds:schemaRef ds:uri="http://purl.org/dc/terms/"/>
-    <ds:schemaRef ds:uri="http://schemas.microsoft.com/office/2006/documentManagement/types"/>
-    <ds:schemaRef ds:uri="http://schemas.microsoft.com/office/2006/metadata/properties"/>
-    <ds:schemaRef ds:uri="http://schemas.microsoft.com/office/infopath/2007/PartnerControls"/>
-    <ds:schemaRef ds:uri="http://schemas.openxmlformats.org/package/2006/metadata/core-properties"/>
-    <ds:schemaRef ds:uri="http://www.w3.org/XML/1998/namespace"/>
-  </ds:schemaRefs>
-</ds:datastoreItem>
+<file path=customXml/item3.xml><?xml version="1.0" encoding="utf-8"?>
+<p:properties xmlns:p="http://schemas.microsoft.com/office/2006/metadata/properties" xmlns:xsi="http://www.w3.org/2001/XMLSchema-instance" xmlns:pc="http://schemas.microsoft.com/office/infopath/2007/PartnerControls">
+  <documentManagement>
+    <TaxCatchAll xmlns="acb9c5b8-3c7c-4189-9f57-c6855d0a4947" xsi:nil="true"/>
+    <lcf76f155ced4ddcb4097134ff3c332f xmlns="63a52c89-347b-49ef-abcd-1581abc07810">
+      <Terms xmlns="http://schemas.microsoft.com/office/infopath/2007/PartnerControls"/>
+    </lcf76f155ced4ddcb4097134ff3c332f>
+  </documentManagement>
+</p:properties>
 </file>
 
-<file path=customXml/itemProps2.xml><?xml version="1.0" encoding="utf-8"?>
+<file path=customXml/itemProps1.xml><?xml version="1.0" encoding="utf-8"?>
 <ds:datastoreItem xmlns:ds="http://schemas.openxmlformats.org/officeDocument/2006/customXml" ds:itemID="{CD6C7607-268C-4C5E-9E7E-E1D66034AE5D}">
   <ds:schemaRefs>
     <ds:schemaRef ds:uri="http://schemas.microsoft.com/sharepoint/v3/contenttype/forms"/>
@@ -57928,7 +57919,7 @@
 </ds:datastoreItem>
 </file>
 
-<file path=customXml/itemProps3.xml><?xml version="1.0" encoding="utf-8"?>
+<file path=customXml/itemProps2.xml><?xml version="1.0" encoding="utf-8"?>
 <ds:datastoreItem xmlns:ds="http://schemas.openxmlformats.org/officeDocument/2006/customXml" ds:itemID="{0C05D131-B178-43E0-820D-9ACA2DF2E87A}">
   <ds:schemaRefs>
     <ds:schemaRef ds:uri="63a52c89-347b-49ef-abcd-1581abc07810"/>
@@ -57945,4 +57936,22 @@
     <ds:schemaRef ds:uri="http://www.w3.org/2001/XMLSchema"/>
   </ds:schemaRefs>
 </ds:datastoreItem>
+</file>
+
+<file path=customXml/itemProps3.xml><?xml version="1.0" encoding="utf-8"?>
+<ds:datastoreItem xmlns:ds="http://schemas.openxmlformats.org/officeDocument/2006/customXml" ds:itemID="{B02D9207-75B4-4FAC-A48D-3D9278E8E9CB}">
+  <ds:schemaRefs>
+    <ds:schemaRef ds:uri="288afd39-9301-47a6-8729-307a4250536c"/>
+    <ds:schemaRef ds:uri="63a52c89-347b-49ef-abcd-1581abc07810"/>
+    <ds:schemaRef ds:uri="acb9c5b8-3c7c-4189-9f57-c6855d0a4947"/>
+    <ds:schemaRef ds:uri="http://purl.org/dc/dcmitype/"/>
+    <ds:schemaRef ds:uri="http://purl.org/dc/elements/1.1/"/>
+    <ds:schemaRef ds:uri="http://purl.org/dc/terms/"/>
+    <ds:schemaRef ds:uri="http://schemas.microsoft.com/office/2006/documentManagement/types"/>
+    <ds:schemaRef ds:uri="http://schemas.microsoft.com/office/2006/metadata/properties"/>
+    <ds:schemaRef ds:uri="http://schemas.microsoft.com/office/infopath/2007/PartnerControls"/>
+    <ds:schemaRef ds:uri="http://schemas.openxmlformats.org/package/2006/metadata/core-properties"/>
+    <ds:schemaRef ds:uri="http://www.w3.org/XML/1998/namespace"/>
+  </ds:schemaRefs>
+</ds:datastoreItem>
 </file>
--- a/Cours/Design Patterns en C (1).pptx
+++ b/Cours/Design Patterns en C (1).pptx
@@ -44441,7 +44441,22 @@
           <a:bodyPr/>
           <a:lstStyle/>
           <a:p>
-            <a:endParaRPr lang="fr-FR"/>
+            <a:r>
+              <a:rPr lang="fr-FR" dirty="0"/>
+              <a:t>Création de nouveaux objets par duplication d’objets existants</a:t>
+            </a:r>
+          </a:p>
+          <a:p>
+            <a:r>
+              <a:rPr lang="fr-FR" dirty="0"/>
+              <a:t>On les appelle Prototype</a:t>
+            </a:r>
+          </a:p>
+          <a:p>
+            <a:r>
+              <a:rPr lang="fr-FR" dirty="0"/>
+              <a:t>Capacité de clonage</a:t>
+            </a:r>
           </a:p>
         </p:txBody>
       </p:sp>
@@ -57697,15 +57712,6 @@
 </file>
 
 <file path=customXml/item1.xml><?xml version="1.0" encoding="utf-8"?>
-<?mso-contentType ?>
-<FormTemplates xmlns="http://schemas.microsoft.com/sharepoint/v3/contenttype/forms">
-  <Display>DocumentLibraryForm</Display>
-  <Edit>DocumentLibraryForm</Edit>
-  <New>DocumentLibraryForm</New>
-</FormTemplates>
-</file>
-
-<file path=customXml/item2.xml><?xml version="1.0" encoding="utf-8"?>
 <ct:contentTypeSchema xmlns:ct="http://schemas.microsoft.com/office/2006/metadata/contentType" xmlns:ma="http://schemas.microsoft.com/office/2006/metadata/properties/metaAttributes" ct:_="" ma:_="" ma:contentTypeName="Document" ma:contentTypeID="0x01010036DEE29EAD311A42AE8DBE1C2B92CD04" ma:contentTypeVersion="11" ma:contentTypeDescription="Crée un document." ma:contentTypeScope="" ma:versionID="c5bfd14867d16b566ddd3b4afdce1790">
   <xsd:schema xmlns:xsd="http://www.w3.org/2001/XMLSchema" xmlns:xs="http://www.w3.org/2001/XMLSchema" xmlns:p="http://schemas.microsoft.com/office/2006/metadata/properties" xmlns:ns2="63a52c89-347b-49ef-abcd-1581abc07810" xmlns:ns3="acb9c5b8-3c7c-4189-9f57-c6855d0a4947" targetNamespace="http://schemas.microsoft.com/office/2006/metadata/properties" ma:root="true" ma:fieldsID="04a8f9267670d8ba8493024c57f5bf8f" ns2:_="" ns3:_="">
     <xsd:import namespace="63a52c89-347b-49ef-abcd-1581abc07810"/>
@@ -57900,7 +57906,7 @@
 </ct:contentTypeSchema>
 </file>
 
-<file path=customXml/item3.xml><?xml version="1.0" encoding="utf-8"?>
+<file path=customXml/item2.xml><?xml version="1.0" encoding="utf-8"?>
 <p:properties xmlns:p="http://schemas.microsoft.com/office/2006/metadata/properties" xmlns:xsi="http://www.w3.org/2001/XMLSchema-instance" xmlns:pc="http://schemas.microsoft.com/office/infopath/2007/PartnerControls">
   <documentManagement>
     <TaxCatchAll xmlns="acb9c5b8-3c7c-4189-9f57-c6855d0a4947" xsi:nil="true"/>
@@ -57911,15 +57917,16 @@
 </p:properties>
 </file>
 
-<file path=customXml/itemProps1.xml><?xml version="1.0" encoding="utf-8"?>
-<ds:datastoreItem xmlns:ds="http://schemas.openxmlformats.org/officeDocument/2006/customXml" ds:itemID="{CD6C7607-268C-4C5E-9E7E-E1D66034AE5D}">
-  <ds:schemaRefs>
-    <ds:schemaRef ds:uri="http://schemas.microsoft.com/sharepoint/v3/contenttype/forms"/>
-  </ds:schemaRefs>
-</ds:datastoreItem>
+<file path=customXml/item3.xml><?xml version="1.0" encoding="utf-8"?>
+<?mso-contentType ?>
+<FormTemplates xmlns="http://schemas.microsoft.com/sharepoint/v3/contenttype/forms">
+  <Display>DocumentLibraryForm</Display>
+  <Edit>DocumentLibraryForm</Edit>
+  <New>DocumentLibraryForm</New>
+</FormTemplates>
 </file>
 
-<file path=customXml/itemProps2.xml><?xml version="1.0" encoding="utf-8"?>
+<file path=customXml/itemProps1.xml><?xml version="1.0" encoding="utf-8"?>
 <ds:datastoreItem xmlns:ds="http://schemas.openxmlformats.org/officeDocument/2006/customXml" ds:itemID="{0C05D131-B178-43E0-820D-9ACA2DF2E87A}">
   <ds:schemaRefs>
     <ds:schemaRef ds:uri="63a52c89-347b-49ef-abcd-1581abc07810"/>
@@ -57938,7 +57945,7 @@
 </ds:datastoreItem>
 </file>
 
-<file path=customXml/itemProps3.xml><?xml version="1.0" encoding="utf-8"?>
+<file path=customXml/itemProps2.xml><?xml version="1.0" encoding="utf-8"?>
 <ds:datastoreItem xmlns:ds="http://schemas.openxmlformats.org/officeDocument/2006/customXml" ds:itemID="{B02D9207-75B4-4FAC-A48D-3D9278E8E9CB}">
   <ds:schemaRefs>
     <ds:schemaRef ds:uri="288afd39-9301-47a6-8729-307a4250536c"/>
@@ -57954,4 +57961,12 @@
     <ds:schemaRef ds:uri="http://www.w3.org/XML/1998/namespace"/>
   </ds:schemaRefs>
 </ds:datastoreItem>
+</file>
+
+<file path=customXml/itemProps3.xml><?xml version="1.0" encoding="utf-8"?>
+<ds:datastoreItem xmlns:ds="http://schemas.openxmlformats.org/officeDocument/2006/customXml" ds:itemID="{CD6C7607-268C-4C5E-9E7E-E1D66034AE5D}">
+  <ds:schemaRefs>
+    <ds:schemaRef ds:uri="http://schemas.microsoft.com/sharepoint/v3/contenttype/forms"/>
+  </ds:schemaRefs>
+</ds:datastoreItem>
 </file>
--- a/Cours/Design Patterns en C (1).pptx
+++ b/Cours/Design Patterns en C (1).pptx
@@ -19867,7 +19867,7 @@
           <a:p>
             <a:fld id="{9A280970-2FEF-8F41-9CC0-B3791ED10CA2}" type="datetimeFigureOut">
               <a:rPr lang="en-FR" smtClean="0"/>
-              <a:t>12/30/2024</a:t>
+              <a:t>01/02/2025</a:t>
             </a:fld>
             <a:endParaRPr lang="en-FR"/>
           </a:p>
@@ -24035,7 +24035,7 @@
           <a:p>
             <a:fld id="{1A56CCF3-6173-7549-968E-3673DCF0B2BD}" type="datetime1">
               <a:rPr lang="fr-FR" smtClean="0"/>
-              <a:t>30/12/2024</a:t>
+              <a:t>02/01/2025</a:t>
             </a:fld>
             <a:endParaRPr lang="fr-FR"/>
           </a:p>
@@ -56140,7 +56140,10 @@
           <a:bodyPr/>
           <a:lstStyle/>
           <a:p>
-            <a:endParaRPr lang="fr-FR"/>
+            <a:r>
+              <a:rPr lang="fr-FR" dirty="0"/>
+              <a:t>Objectif: fournir des solutions pour distribuer les traitements (données) et les algorithmes entre les objets</a:t>
+            </a:r>
           </a:p>
         </p:txBody>
       </p:sp>
@@ -56463,17 +56466,17 @@
           <a:lstStyle/>
           <a:p>
             <a:r>
-              <a:rPr lang="fr-FR"/>
+              <a:rPr lang="fr-FR" dirty="0"/>
               <a:t>Chapitre 18</a:t>
             </a:r>
             <a:br>
-              <a:rPr lang="fr-FR"/>
+              <a:rPr lang="fr-FR" dirty="0"/>
             </a:br>
             <a:r>
-              <a:rPr lang="en-US"/>
+              <a:rPr lang="en-US" dirty="0"/>
               <a:t>Le pattern Chain of Responsibility</a:t>
             </a:r>
-            <a:endParaRPr lang="fr-FR"/>
+            <a:endParaRPr lang="fr-FR" dirty="0"/>
           </a:p>
         </p:txBody>
       </p:sp>
@@ -56499,31 +56502,31 @@
           <a:lstStyle/>
           <a:p>
             <a:r>
-              <a:rPr lang="fr-FR"/>
+              <a:rPr lang="fr-FR" dirty="0"/>
               <a:t>18.1. Description</a:t>
             </a:r>
           </a:p>
           <a:p>
             <a:r>
-              <a:rPr lang="fr-FR"/>
+              <a:rPr lang="fr-FR" dirty="0"/>
               <a:t>2. Exemple</a:t>
             </a:r>
           </a:p>
           <a:p>
             <a:r>
-              <a:rPr lang="fr-FR"/>
+              <a:rPr lang="fr-FR" dirty="0"/>
               <a:t>3. Structure</a:t>
             </a:r>
           </a:p>
           <a:p>
             <a:r>
-              <a:rPr lang="fr-FR"/>
+              <a:rPr lang="fr-FR" dirty="0"/>
               <a:t>4. Domaines d’application</a:t>
             </a:r>
           </a:p>
           <a:p>
             <a:r>
-              <a:rPr lang="fr-FR"/>
+              <a:rPr lang="fr-FR" dirty="0"/>
               <a:t>5. Exemple en C#</a:t>
             </a:r>
           </a:p>
@@ -56696,7 +56699,10 @@
           <a:bodyPr/>
           <a:lstStyle/>
           <a:p>
-            <a:endParaRPr lang="fr-FR"/>
+            <a:r>
+              <a:rPr lang="fr-FR" dirty="0"/>
+              <a:t>Construit une chaine d’objet telle que si un objet de la chaine ne peut pas répondre à la requête, il puisse la transmettre à son successeur jusqu’à ce que l’un des objets répondent.</a:t>
+            </a:r>
           </a:p>
         </p:txBody>
       </p:sp>
@@ -56867,7 +56873,22 @@
           <a:bodyPr/>
           <a:lstStyle/>
           <a:p>
-            <a:endParaRPr lang="fr-FR"/>
+            <a:r>
+              <a:rPr lang="fr-FR" dirty="0"/>
+              <a:t>Catégorie de véhicule</a:t>
+            </a:r>
+          </a:p>
+          <a:p>
+            <a:r>
+              <a:rPr lang="fr-FR" dirty="0"/>
+              <a:t>Description de véhicule</a:t>
+            </a:r>
+          </a:p>
+          <a:p>
+            <a:r>
+              <a:rPr lang="fr-FR" dirty="0"/>
+              <a:t>Liaison d’objet en alliant du plus spécifique (véhicule) au moins spécifique (description par défaut)</a:t>
+            </a:r>
           </a:p>
         </p:txBody>
       </p:sp>
@@ -57712,6 +57733,26 @@
 </file>
 
 <file path=customXml/item1.xml><?xml version="1.0" encoding="utf-8"?>
+<p:properties xmlns:p="http://schemas.microsoft.com/office/2006/metadata/properties" xmlns:xsi="http://www.w3.org/2001/XMLSchema-instance" xmlns:pc="http://schemas.microsoft.com/office/infopath/2007/PartnerControls">
+  <documentManagement>
+    <TaxCatchAll xmlns="acb9c5b8-3c7c-4189-9f57-c6855d0a4947" xsi:nil="true"/>
+    <lcf76f155ced4ddcb4097134ff3c332f xmlns="63a52c89-347b-49ef-abcd-1581abc07810">
+      <Terms xmlns="http://schemas.microsoft.com/office/infopath/2007/PartnerControls"/>
+    </lcf76f155ced4ddcb4097134ff3c332f>
+  </documentManagement>
+</p:properties>
+</file>
+
+<file path=customXml/item2.xml><?xml version="1.0" encoding="utf-8"?>
+<?mso-contentType ?>
+<FormTemplates xmlns="http://schemas.microsoft.com/sharepoint/v3/contenttype/forms">
+  <Display>DocumentLibraryForm</Display>
+  <Edit>DocumentLibraryForm</Edit>
+  <New>DocumentLibraryForm</New>
+</FormTemplates>
+</file>
+
+<file path=customXml/item3.xml><?xml version="1.0" encoding="utf-8"?>
 <ct:contentTypeSchema xmlns:ct="http://schemas.microsoft.com/office/2006/metadata/contentType" xmlns:ma="http://schemas.microsoft.com/office/2006/metadata/properties/metaAttributes" ct:_="" ma:_="" ma:contentTypeName="Document" ma:contentTypeID="0x01010036DEE29EAD311A42AE8DBE1C2B92CD04" ma:contentTypeVersion="11" ma:contentTypeDescription="Crée un document." ma:contentTypeScope="" ma:versionID="c5bfd14867d16b566ddd3b4afdce1790">
   <xsd:schema xmlns:xsd="http://www.w3.org/2001/XMLSchema" xmlns:xs="http://www.w3.org/2001/XMLSchema" xmlns:p="http://schemas.microsoft.com/office/2006/metadata/properties" xmlns:ns2="63a52c89-347b-49ef-abcd-1581abc07810" xmlns:ns3="acb9c5b8-3c7c-4189-9f57-c6855d0a4947" targetNamespace="http://schemas.microsoft.com/office/2006/metadata/properties" ma:root="true" ma:fieldsID="04a8f9267670d8ba8493024c57f5bf8f" ns2:_="" ns3:_="">
     <xsd:import namespace="63a52c89-347b-49ef-abcd-1581abc07810"/>
@@ -57906,46 +57947,7 @@
 </ct:contentTypeSchema>
 </file>
 
-<file path=customXml/item2.xml><?xml version="1.0" encoding="utf-8"?>
-<p:properties xmlns:p="http://schemas.microsoft.com/office/2006/metadata/properties" xmlns:xsi="http://www.w3.org/2001/XMLSchema-instance" xmlns:pc="http://schemas.microsoft.com/office/infopath/2007/PartnerControls">
-  <documentManagement>
-    <TaxCatchAll xmlns="acb9c5b8-3c7c-4189-9f57-c6855d0a4947" xsi:nil="true"/>
-    <lcf76f155ced4ddcb4097134ff3c332f xmlns="63a52c89-347b-49ef-abcd-1581abc07810">
-      <Terms xmlns="http://schemas.microsoft.com/office/infopath/2007/PartnerControls"/>
-    </lcf76f155ced4ddcb4097134ff3c332f>
-  </documentManagement>
-</p:properties>
-</file>
-
-<file path=customXml/item3.xml><?xml version="1.0" encoding="utf-8"?>
-<?mso-contentType ?>
-<FormTemplates xmlns="http://schemas.microsoft.com/sharepoint/v3/contenttype/forms">
-  <Display>DocumentLibraryForm</Display>
-  <Edit>DocumentLibraryForm</Edit>
-  <New>DocumentLibraryForm</New>
-</FormTemplates>
-</file>
-
 <file path=customXml/itemProps1.xml><?xml version="1.0" encoding="utf-8"?>
-<ds:datastoreItem xmlns:ds="http://schemas.openxmlformats.org/officeDocument/2006/customXml" ds:itemID="{0C05D131-B178-43E0-820D-9ACA2DF2E87A}">
-  <ds:schemaRefs>
-    <ds:schemaRef ds:uri="63a52c89-347b-49ef-abcd-1581abc07810"/>
-    <ds:schemaRef ds:uri="acb9c5b8-3c7c-4189-9f57-c6855d0a4947"/>
-    <ds:schemaRef ds:uri="http://purl.org/dc/elements/1.1/"/>
-    <ds:schemaRef ds:uri="http://purl.org/dc/terms/"/>
-    <ds:schemaRef ds:uri="http://schemas.microsoft.com/internal/obd"/>
-    <ds:schemaRef ds:uri="http://schemas.microsoft.com/office/2006/documentManagement/types"/>
-    <ds:schemaRef ds:uri="http://schemas.microsoft.com/office/2006/metadata/contentType"/>
-    <ds:schemaRef ds:uri="http://schemas.microsoft.com/office/2006/metadata/properties"/>
-    <ds:schemaRef ds:uri="http://schemas.microsoft.com/office/2006/metadata/properties/metaAttributes"/>
-    <ds:schemaRef ds:uri="http://schemas.microsoft.com/office/infopath/2007/PartnerControls"/>
-    <ds:schemaRef ds:uri="http://schemas.openxmlformats.org/package/2006/metadata/core-properties"/>
-    <ds:schemaRef ds:uri="http://www.w3.org/2001/XMLSchema"/>
-  </ds:schemaRefs>
-</ds:datastoreItem>
-</file>
-
-<file path=customXml/itemProps2.xml><?xml version="1.0" encoding="utf-8"?>
 <ds:datastoreItem xmlns:ds="http://schemas.openxmlformats.org/officeDocument/2006/customXml" ds:itemID="{B02D9207-75B4-4FAC-A48D-3D9278E8E9CB}">
   <ds:schemaRefs>
     <ds:schemaRef ds:uri="288afd39-9301-47a6-8729-307a4250536c"/>
@@ -57963,10 +57965,29 @@
 </ds:datastoreItem>
 </file>
 
-<file path=customXml/itemProps3.xml><?xml version="1.0" encoding="utf-8"?>
+<file path=customXml/itemProps2.xml><?xml version="1.0" encoding="utf-8"?>
 <ds:datastoreItem xmlns:ds="http://schemas.openxmlformats.org/officeDocument/2006/customXml" ds:itemID="{CD6C7607-268C-4C5E-9E7E-E1D66034AE5D}">
   <ds:schemaRefs>
     <ds:schemaRef ds:uri="http://schemas.microsoft.com/sharepoint/v3/contenttype/forms"/>
   </ds:schemaRefs>
 </ds:datastoreItem>
+</file>
+
+<file path=customXml/itemProps3.xml><?xml version="1.0" encoding="utf-8"?>
+<ds:datastoreItem xmlns:ds="http://schemas.openxmlformats.org/officeDocument/2006/customXml" ds:itemID="{0C05D131-B178-43E0-820D-9ACA2DF2E87A}">
+  <ds:schemaRefs>
+    <ds:schemaRef ds:uri="63a52c89-347b-49ef-abcd-1581abc07810"/>
+    <ds:schemaRef ds:uri="acb9c5b8-3c7c-4189-9f57-c6855d0a4947"/>
+    <ds:schemaRef ds:uri="http://purl.org/dc/elements/1.1/"/>
+    <ds:schemaRef ds:uri="http://purl.org/dc/terms/"/>
+    <ds:schemaRef ds:uri="http://schemas.microsoft.com/internal/obd"/>
+    <ds:schemaRef ds:uri="http://schemas.microsoft.com/office/2006/documentManagement/types"/>
+    <ds:schemaRef ds:uri="http://schemas.microsoft.com/office/2006/metadata/contentType"/>
+    <ds:schemaRef ds:uri="http://schemas.microsoft.com/office/2006/metadata/properties"/>
+    <ds:schemaRef ds:uri="http://schemas.microsoft.com/office/2006/metadata/properties/metaAttributes"/>
+    <ds:schemaRef ds:uri="http://schemas.microsoft.com/office/infopath/2007/PartnerControls"/>
+    <ds:schemaRef ds:uri="http://schemas.openxmlformats.org/package/2006/metadata/core-properties"/>
+    <ds:schemaRef ds:uri="http://www.w3.org/2001/XMLSchema"/>
+  </ds:schemaRefs>
+</ds:datastoreItem>
 </file>
--- a/Cours/Design Patterns en C (1).pptx
+++ b/Cours/Design Patterns en C (1).pptx
@@ -25709,7 +25709,10 @@
           <a:bodyPr/>
           <a:lstStyle/>
           <a:p>
-            <a:endParaRPr lang="fr-FR"/>
+            <a:r>
+              <a:rPr lang="fr-FR" dirty="0"/>
+              <a:t>Command permet de transformer, une requête en un objet, ce qui facilite les opérations comme les annulations ou les « retour en arrière », ou encore les mises en file d’attente des demandes et leur suivi.</a:t>
+            </a:r>
           </a:p>
         </p:txBody>
       </p:sp>
@@ -57733,17 +57736,6 @@
 </file>
 
 <file path=customXml/item1.xml><?xml version="1.0" encoding="utf-8"?>
-<p:properties xmlns:p="http://schemas.microsoft.com/office/2006/metadata/properties" xmlns:xsi="http://www.w3.org/2001/XMLSchema-instance" xmlns:pc="http://schemas.microsoft.com/office/infopath/2007/PartnerControls">
-  <documentManagement>
-    <TaxCatchAll xmlns="acb9c5b8-3c7c-4189-9f57-c6855d0a4947" xsi:nil="true"/>
-    <lcf76f155ced4ddcb4097134ff3c332f xmlns="63a52c89-347b-49ef-abcd-1581abc07810">
-      <Terms xmlns="http://schemas.microsoft.com/office/infopath/2007/PartnerControls"/>
-    </lcf76f155ced4ddcb4097134ff3c332f>
-  </documentManagement>
-</p:properties>
-</file>
-
-<file path=customXml/item2.xml><?xml version="1.0" encoding="utf-8"?>
 <?mso-contentType ?>
 <FormTemplates xmlns="http://schemas.microsoft.com/sharepoint/v3/contenttype/forms">
   <Display>DocumentLibraryForm</Display>
@@ -57752,7 +57744,7 @@
 </FormTemplates>
 </file>
 
-<file path=customXml/item3.xml><?xml version="1.0" encoding="utf-8"?>
+<file path=customXml/item2.xml><?xml version="1.0" encoding="utf-8"?>
 <ct:contentTypeSchema xmlns:ct="http://schemas.microsoft.com/office/2006/metadata/contentType" xmlns:ma="http://schemas.microsoft.com/office/2006/metadata/properties/metaAttributes" ct:_="" ma:_="" ma:contentTypeName="Document" ma:contentTypeID="0x01010036DEE29EAD311A42AE8DBE1C2B92CD04" ma:contentTypeVersion="11" ma:contentTypeDescription="Crée un document." ma:contentTypeScope="" ma:versionID="c5bfd14867d16b566ddd3b4afdce1790">
   <xsd:schema xmlns:xsd="http://www.w3.org/2001/XMLSchema" xmlns:xs="http://www.w3.org/2001/XMLSchema" xmlns:p="http://schemas.microsoft.com/office/2006/metadata/properties" xmlns:ns2="63a52c89-347b-49ef-abcd-1581abc07810" xmlns:ns3="acb9c5b8-3c7c-4189-9f57-c6855d0a4947" targetNamespace="http://schemas.microsoft.com/office/2006/metadata/properties" ma:root="true" ma:fieldsID="04a8f9267670d8ba8493024c57f5bf8f" ns2:_="" ns3:_="">
     <xsd:import namespace="63a52c89-347b-49ef-abcd-1581abc07810"/>
@@ -57947,25 +57939,18 @@
 </ct:contentTypeSchema>
 </file>
 
-<file path=customXml/itemProps1.xml><?xml version="1.0" encoding="utf-8"?>
-<ds:datastoreItem xmlns:ds="http://schemas.openxmlformats.org/officeDocument/2006/customXml" ds:itemID="{B02D9207-75B4-4FAC-A48D-3D9278E8E9CB}">
-  <ds:schemaRefs>
-    <ds:schemaRef ds:uri="288afd39-9301-47a6-8729-307a4250536c"/>
-    <ds:schemaRef ds:uri="63a52c89-347b-49ef-abcd-1581abc07810"/>
-    <ds:schemaRef ds:uri="acb9c5b8-3c7c-4189-9f57-c6855d0a4947"/>
-    <ds:schemaRef ds:uri="http://purl.org/dc/dcmitype/"/>
-    <ds:schemaRef ds:uri="http://purl.org/dc/elements/1.1/"/>
-    <ds:schemaRef ds:uri="http://purl.org/dc/terms/"/>
-    <ds:schemaRef ds:uri="http://schemas.microsoft.com/office/2006/documentManagement/types"/>
-    <ds:schemaRef ds:uri="http://schemas.microsoft.com/office/2006/metadata/properties"/>
-    <ds:schemaRef ds:uri="http://schemas.microsoft.com/office/infopath/2007/PartnerControls"/>
-    <ds:schemaRef ds:uri="http://schemas.openxmlformats.org/package/2006/metadata/core-properties"/>
-    <ds:schemaRef ds:uri="http://www.w3.org/XML/1998/namespace"/>
-  </ds:schemaRefs>
-</ds:datastoreItem>
+<file path=customXml/item3.xml><?xml version="1.0" encoding="utf-8"?>
+<p:properties xmlns:p="http://schemas.microsoft.com/office/2006/metadata/properties" xmlns:xsi="http://www.w3.org/2001/XMLSchema-instance" xmlns:pc="http://schemas.microsoft.com/office/infopath/2007/PartnerControls">
+  <documentManagement>
+    <TaxCatchAll xmlns="acb9c5b8-3c7c-4189-9f57-c6855d0a4947" xsi:nil="true"/>
+    <lcf76f155ced4ddcb4097134ff3c332f xmlns="63a52c89-347b-49ef-abcd-1581abc07810">
+      <Terms xmlns="http://schemas.microsoft.com/office/infopath/2007/PartnerControls"/>
+    </lcf76f155ced4ddcb4097134ff3c332f>
+  </documentManagement>
+</p:properties>
 </file>
 
-<file path=customXml/itemProps2.xml><?xml version="1.0" encoding="utf-8"?>
+<file path=customXml/itemProps1.xml><?xml version="1.0" encoding="utf-8"?>
 <ds:datastoreItem xmlns:ds="http://schemas.openxmlformats.org/officeDocument/2006/customXml" ds:itemID="{CD6C7607-268C-4C5E-9E7E-E1D66034AE5D}">
   <ds:schemaRefs>
     <ds:schemaRef ds:uri="http://schemas.microsoft.com/sharepoint/v3/contenttype/forms"/>
@@ -57973,7 +57958,7 @@
 </ds:datastoreItem>
 </file>
 
-<file path=customXml/itemProps3.xml><?xml version="1.0" encoding="utf-8"?>
+<file path=customXml/itemProps2.xml><?xml version="1.0" encoding="utf-8"?>
 <ds:datastoreItem xmlns:ds="http://schemas.openxmlformats.org/officeDocument/2006/customXml" ds:itemID="{0C05D131-B178-43E0-820D-9ACA2DF2E87A}">
   <ds:schemaRefs>
     <ds:schemaRef ds:uri="63a52c89-347b-49ef-abcd-1581abc07810"/>
@@ -57990,4 +57975,22 @@
     <ds:schemaRef ds:uri="http://www.w3.org/2001/XMLSchema"/>
   </ds:schemaRefs>
 </ds:datastoreItem>
+</file>
+
+<file path=customXml/itemProps3.xml><?xml version="1.0" encoding="utf-8"?>
+<ds:datastoreItem xmlns:ds="http://schemas.openxmlformats.org/officeDocument/2006/customXml" ds:itemID="{B02D9207-75B4-4FAC-A48D-3D9278E8E9CB}">
+  <ds:schemaRefs>
+    <ds:schemaRef ds:uri="288afd39-9301-47a6-8729-307a4250536c"/>
+    <ds:schemaRef ds:uri="63a52c89-347b-49ef-abcd-1581abc07810"/>
+    <ds:schemaRef ds:uri="acb9c5b8-3c7c-4189-9f57-c6855d0a4947"/>
+    <ds:schemaRef ds:uri="http://purl.org/dc/dcmitype/"/>
+    <ds:schemaRef ds:uri="http://purl.org/dc/elements/1.1/"/>
+    <ds:schemaRef ds:uri="http://purl.org/dc/terms/"/>
+    <ds:schemaRef ds:uri="http://schemas.microsoft.com/office/2006/documentManagement/types"/>
+    <ds:schemaRef ds:uri="http://schemas.microsoft.com/office/2006/metadata/properties"/>
+    <ds:schemaRef ds:uri="http://schemas.microsoft.com/office/infopath/2007/PartnerControls"/>
+    <ds:schemaRef ds:uri="http://schemas.openxmlformats.org/package/2006/metadata/core-properties"/>
+    <ds:schemaRef ds:uri="http://www.w3.org/XML/1998/namespace"/>
+  </ds:schemaRefs>
+</ds:datastoreItem>
 </file>